--- a/docs/Marin jovanovic.pptx
+++ b/docs/Marin jovanovic.pptx
@@ -206,7 +206,7 @@
           <a:p>
             <a:fld id="{0279A6A2-6EC6-4637-BE62-0CBEF9F77122}" type="datetimeFigureOut">
               <a:rPr lang="en-GB" smtClean="0"/>
-              <a:t>30/06/2021</a:t>
+              <a:t>01/07/2021</a:t>
             </a:fld>
             <a:endParaRPr lang="en-GB"/>
           </a:p>
@@ -5551,9 +5551,6 @@
             </a:r>
             <a:endParaRPr lang="en-GB" dirty="0"/>
           </a:p>
-          <a:p>
-            <a:endParaRPr lang="en-US" dirty="0"/>
-          </a:p>
         </p:txBody>
       </p:sp>
       <p:sp>
@@ -5737,12 +5734,6 @@
             </a:r>
             <a:endParaRPr lang="en-US" dirty="0"/>
           </a:p>
-          <a:p>
-            <a:endParaRPr lang="en-GB" dirty="0"/>
-          </a:p>
-          <a:p>
-            <a:endParaRPr lang="en-US" dirty="0"/>
-          </a:p>
         </p:txBody>
       </p:sp>
       <p:sp>
@@ -5911,7 +5902,7 @@
           <a:p>
             <a:r>
               <a:rPr lang="en-GB" dirty="0" err="1"/>
-              <a:t>Prednost</a:t>
+              <a:t>prednost</a:t>
             </a:r>
             <a:r>
               <a:rPr lang="en-GB" dirty="0"/>
@@ -5921,9 +5912,6 @@
               <a:rPr lang="en-GB" dirty="0" err="1"/>
               <a:t>operatora</a:t>
             </a:r>
-            <a:endParaRPr lang="en-US" dirty="0"/>
-          </a:p>
-          <a:p>
             <a:endParaRPr lang="en-US" dirty="0"/>
           </a:p>
         </p:txBody>
@@ -7159,8 +7147,12 @@
           <a:lstStyle/>
           <a:p>
             <a:r>
+              <a:rPr lang="en-GB" dirty="0"/>
+              <a:t>e</a:t>
+            </a:r>
+            <a:r>
               <a:rPr lang="hr-HR" dirty="0" err="1"/>
-              <a:t>Expression</a:t>
+              <a:t>xpression</a:t>
             </a:r>
             <a:r>
               <a:rPr lang="en-GB" dirty="0"/>
@@ -7402,7 +7394,15 @@
           <a:p>
             <a:r>
               <a:rPr lang="hr-HR" dirty="0"/>
-              <a:t>APACHE TRIFT</a:t>
+              <a:t>APACHE T</a:t>
+            </a:r>
+            <a:r>
+              <a:rPr lang="en-GB" dirty="0"/>
+              <a:t>H</a:t>
+            </a:r>
+            <a:r>
+              <a:rPr lang="hr-HR" dirty="0"/>
+              <a:t>RIFT</a:t>
             </a:r>
             <a:endParaRPr lang="en-US" dirty="0"/>
           </a:p>
@@ -7490,9 +7490,6 @@
               <a:rPr lang="en-GB" dirty="0" err="1"/>
               <a:t>grananja</a:t>
             </a:r>
-            <a:endParaRPr lang="en-US" dirty="0"/>
-          </a:p>
-          <a:p>
             <a:endParaRPr lang="en-US" dirty="0"/>
           </a:p>
         </p:txBody>
